--- a/Seminar Hasil Skripsi.pptx
+++ b/Seminar Hasil Skripsi.pptx
@@ -8,6 +8,7 @@
     <p:sldId id="256" r:id="rId3"/>
     <p:sldId id="257" r:id="rId4"/>
     <p:sldId id="258" r:id="rId5"/>
+    <p:sldId id="259" r:id="rId6"/>
   </p:sldIdLst>
   <p:sldSz cx="12192000" cy="6858000"/>
   <p:notesSz cx="6858000" cy="9144000"/>
@@ -3479,10 +3480,10 @@
           </a:bodyPr>
           <a:p>
             <a:r>
-              <a:rPr lang="" altLang="en-US" b="1"/>
+              <a:rPr lang="en-US" altLang="en-US" b="1"/>
               <a:t>KARAKTERISTIK RESPONDEN</a:t>
             </a:r>
-            <a:endParaRPr lang="" altLang="en-US" b="1"/>
+            <a:endParaRPr lang="en-US" altLang="en-US" b="1"/>
           </a:p>
         </p:txBody>
       </p:sp>
@@ -3508,10 +3509,10 @@
           </a:bodyPr>
           <a:p>
             <a:r>
-              <a:rPr lang="" altLang="en-US" b="1"/>
+              <a:rPr lang="en-US" altLang="en-US" b="1"/>
               <a:t>HASIL UJI DESKRIPTIF</a:t>
             </a:r>
-            <a:endParaRPr lang="" altLang="en-US" b="1"/>
+            <a:endParaRPr lang="en-US" altLang="en-US" b="1"/>
           </a:p>
         </p:txBody>
       </p:sp>
@@ -3537,17 +3538,17 @@
           </a:bodyPr>
           <a:p>
             <a:r>
-              <a:rPr lang="" altLang="en-US" sz="6600"/>
+              <a:rPr lang="en-US" altLang="en-US" sz="6600"/>
               <a:t>87</a:t>
             </a:r>
-            <a:endParaRPr lang="" altLang="en-US" sz="6600"/>
-          </a:p>
-          <a:p>
-            <a:r>
-              <a:rPr lang="" altLang="en-US" sz="2800"/>
+            <a:endParaRPr lang="en-US" altLang="en-US" sz="6600"/>
+          </a:p>
+          <a:p>
+            <a:r>
+              <a:rPr lang="en-US" altLang="en-US" sz="2800"/>
               <a:t>subyek</a:t>
             </a:r>
-            <a:endParaRPr lang="" altLang="en-US" sz="2800"/>
+            <a:endParaRPr lang="en-US" altLang="en-US" sz="2800"/>
           </a:p>
         </p:txBody>
       </p:sp>
@@ -3573,21 +3574,21 @@
           </a:bodyPr>
           <a:p>
             <a:r>
-              <a:rPr lang="" altLang="en-US" sz="4000"/>
+              <a:rPr lang="en-US" altLang="en-US" sz="4000"/>
               <a:t>32</a:t>
             </a:r>
             <a:endParaRPr lang="en-US" altLang="en-US" sz="4000"/>
           </a:p>
           <a:p>
             <a:r>
-              <a:rPr lang="" altLang="en-US" sz="1400"/>
+              <a:rPr lang="en-US" altLang="en-US" sz="1400"/>
               <a:t>usia 15 </a:t>
             </a:r>
             <a:r>
-              <a:rPr lang="" altLang="en-US" sz="1400" i="1"/>
+              <a:rPr lang="en-US" altLang="en-US" sz="1400" i="1"/>
               <a:t>(rentang usia 13-19)</a:t>
             </a:r>
-            <a:endParaRPr lang="" altLang="en-US" sz="1400" i="1"/>
+            <a:endParaRPr lang="en-US" altLang="en-US" sz="1400" i="1"/>
           </a:p>
         </p:txBody>
       </p:sp>
@@ -3613,21 +3614,21 @@
           </a:bodyPr>
           <a:p>
             <a:r>
-              <a:rPr lang="" altLang="en-US" sz="4000"/>
+              <a:rPr lang="en-US" altLang="en-US" sz="4000"/>
               <a:t>46</a:t>
             </a:r>
             <a:endParaRPr lang="en-US" altLang="en-US" sz="4000"/>
           </a:p>
           <a:p>
             <a:r>
-              <a:rPr lang="" altLang="en-US" sz="1400"/>
+              <a:rPr lang="en-US" altLang="en-US" sz="1400"/>
               <a:t>perempuan </a:t>
             </a:r>
             <a:r>
-              <a:rPr lang="" altLang="en-US" sz="1400" i="1"/>
+              <a:rPr lang="en-US" altLang="en-US" sz="1400" i="1"/>
               <a:t>(laki-laki 41 orang)</a:t>
             </a:r>
-            <a:endParaRPr lang="" altLang="en-US" sz="1400" i="1"/>
+            <a:endParaRPr lang="en-US" altLang="en-US" sz="1400" i="1"/>
           </a:p>
         </p:txBody>
       </p:sp>
@@ -3654,20 +3655,16 @@
           <a:p>
             <a:r>
               <a:rPr lang="en-US" altLang="en-US" sz="4000"/>
-              <a:t>4</a:t>
-            </a:r>
-            <a:r>
-              <a:rPr lang="" altLang="en-US" sz="4000"/>
-              <a:t>3</a:t>
+              <a:t>43</a:t>
             </a:r>
             <a:endParaRPr lang="en-US" altLang="en-US" sz="4000"/>
           </a:p>
           <a:p>
             <a:r>
-              <a:rPr lang="" altLang="en-US" sz="1400"/>
+              <a:rPr lang="en-US" altLang="en-US" sz="1400"/>
               <a:t>kelas X</a:t>
             </a:r>
-            <a:endParaRPr lang="" altLang="en-US" sz="1400" i="1"/>
+            <a:endParaRPr lang="en-US" altLang="en-US" sz="1400" i="1"/>
           </a:p>
         </p:txBody>
       </p:sp>
@@ -3693,21 +3690,21 @@
           </a:bodyPr>
           <a:p>
             <a:r>
-              <a:rPr lang="" altLang="en-US" sz="4000"/>
+              <a:rPr lang="en-US" altLang="en-US" sz="4000"/>
               <a:t>56</a:t>
             </a:r>
             <a:endParaRPr lang="en-US" altLang="en-US" sz="4000"/>
           </a:p>
           <a:p>
             <a:r>
-              <a:rPr lang="" altLang="en-US" sz="1400"/>
+              <a:rPr lang="en-US" altLang="en-US" sz="1400"/>
               <a:t>1-5 juz </a:t>
             </a:r>
             <a:r>
-              <a:rPr lang="" altLang="en-US" sz="1400" i="1"/>
+              <a:rPr lang="en-US" altLang="en-US" sz="1400" i="1"/>
               <a:t>(rentang hafalan 0-20 juz)</a:t>
             </a:r>
-            <a:endParaRPr lang="" altLang="en-US" sz="1400" i="1"/>
+            <a:endParaRPr lang="en-US" altLang="en-US" sz="1400" i="1"/>
           </a:p>
         </p:txBody>
       </p:sp>
@@ -3733,36 +3730,36 @@
           </a:bodyPr>
           <a:p>
             <a:r>
-              <a:rPr lang="" altLang="en-US" sz="2000" i="1"/>
+              <a:rPr lang="en-US" altLang="en-US" sz="2000" i="1"/>
               <a:t>Motivasi Menghafal Alquran</a:t>
             </a:r>
-            <a:endParaRPr lang="" altLang="en-US" sz="2000" i="1"/>
-          </a:p>
-          <a:p>
-            <a:r>
-              <a:rPr lang="" altLang="en-US" sz="2000" b="1"/>
+            <a:endParaRPr lang="en-US" altLang="en-US" sz="2000" i="1"/>
+          </a:p>
+          <a:p>
+            <a:r>
+              <a:rPr lang="en-US" altLang="en-US" sz="2000" b="1"/>
               <a:t>mean </a:t>
             </a:r>
             <a:r>
-              <a:rPr lang="" altLang="en-US" sz="2000"/>
+              <a:rPr lang="en-US" altLang="en-US" sz="2000"/>
               <a:t>181.72 : 141 </a:t>
             </a:r>
             <a:r>
-              <a:rPr lang="" altLang="en-US" sz="2000" i="1"/>
+              <a:rPr lang="en-US" altLang="en-US" sz="2000" i="1"/>
               <a:t>(tinggi)</a:t>
             </a:r>
-            <a:endParaRPr lang="" altLang="en-US" sz="2000"/>
-          </a:p>
-          <a:p>
-            <a:r>
-              <a:rPr lang="" altLang="en-US" sz="2000" b="1"/>
+            <a:endParaRPr lang="en-US" altLang="en-US" sz="2000"/>
+          </a:p>
+          <a:p>
+            <a:r>
+              <a:rPr lang="en-US" altLang="en-US" sz="2000" b="1"/>
               <a:t>sd      </a:t>
             </a:r>
             <a:r>
-              <a:rPr lang="" altLang="en-US" sz="2000"/>
+              <a:rPr lang="en-US" altLang="en-US" sz="2000"/>
               <a:t>16.406 : 58</a:t>
             </a:r>
-            <a:endParaRPr lang="" altLang="en-US" sz="2000"/>
+            <a:endParaRPr lang="en-US" altLang="en-US" sz="2000"/>
           </a:p>
         </p:txBody>
       </p:sp>
@@ -3788,7 +3785,7 @@
           </a:bodyPr>
           <a:p>
             <a:r>
-              <a:rPr lang="" altLang="en-US" sz="2000" i="1"/>
+              <a:rPr lang="en-US" altLang="en-US" sz="2000" i="1"/>
               <a:t>Efikasi Diri</a:t>
             </a:r>
             <a:endParaRPr lang="en-US" altLang="en-US" sz="2000" i="1"/>
@@ -3799,20 +3796,8 @@
               <a:t>mean </a:t>
             </a:r>
             <a:r>
-              <a:rPr lang="" altLang="en-US" sz="2000"/>
-              <a:t>136.40</a:t>
-            </a:r>
-            <a:r>
               <a:rPr lang="en-US" altLang="en-US" sz="2000"/>
-              <a:t> : 1</a:t>
-            </a:r>
-            <a:r>
-              <a:rPr lang="" altLang="en-US" sz="2000"/>
-              <a:t>08</a:t>
-            </a:r>
-            <a:r>
-              <a:rPr lang="en-US" altLang="en-US" sz="2000"/>
-              <a:t> </a:t>
+              <a:t>136.40 : 108 </a:t>
             </a:r>
             <a:r>
               <a:rPr lang="en-US" altLang="en-US" sz="2000" i="1"/>
@@ -3827,15 +3812,7 @@
             </a:r>
             <a:r>
               <a:rPr lang="en-US" altLang="en-US" sz="2000"/>
-              <a:t>16.</a:t>
-            </a:r>
-            <a:r>
-              <a:rPr lang="" altLang="en-US" sz="2000"/>
-              <a:t>182</a:t>
-            </a:r>
-            <a:r>
-              <a:rPr lang="en-US" altLang="en-US" sz="2000"/>
-              <a:t> : 58</a:t>
+              <a:t>16.182 : 58</a:t>
             </a:r>
             <a:endParaRPr lang="en-US" altLang="en-US" sz="2000"/>
           </a:p>
@@ -3863,7 +3840,7 @@
           </a:bodyPr>
           <a:p>
             <a:r>
-              <a:rPr lang="" altLang="en-US" sz="2000" i="1"/>
+              <a:rPr lang="en-US" altLang="en-US" sz="2000" i="1"/>
               <a:t>Dukungan Guru Tahfidz</a:t>
             </a:r>
             <a:endParaRPr lang="en-US" altLang="en-US" sz="2000" i="1"/>
@@ -3875,23 +3852,7 @@
             </a:r>
             <a:r>
               <a:rPr lang="en-US" altLang="en-US" sz="2000"/>
-              <a:t>1</a:t>
-            </a:r>
-            <a:r>
-              <a:rPr lang="" altLang="en-US" sz="2000"/>
-              <a:t>18.74</a:t>
-            </a:r>
-            <a:r>
-              <a:rPr lang="en-US" altLang="en-US" sz="2000"/>
-              <a:t> : </a:t>
-            </a:r>
-            <a:r>
-              <a:rPr lang="" altLang="en-US" sz="2000"/>
-              <a:t>93</a:t>
-            </a:r>
-            <a:r>
-              <a:rPr lang="en-US" altLang="en-US" sz="2000"/>
-              <a:t> </a:t>
+              <a:t>118.74 : 93 </a:t>
             </a:r>
             <a:r>
               <a:rPr lang="en-US" altLang="en-US" sz="2000" i="1"/>
@@ -3906,23 +3867,7 @@
             </a:r>
             <a:r>
               <a:rPr lang="en-US" altLang="en-US" sz="2000"/>
-              <a:t>1</a:t>
-            </a:r>
-            <a:r>
-              <a:rPr lang="" altLang="en-US" sz="2000"/>
-              <a:t>3</a:t>
-            </a:r>
-            <a:r>
-              <a:rPr lang="en-US" altLang="en-US" sz="2000"/>
-              <a:t>.18</a:t>
-            </a:r>
-            <a:r>
-              <a:rPr lang="" altLang="en-US" sz="2000"/>
-              <a:t>3</a:t>
-            </a:r>
-            <a:r>
-              <a:rPr lang="en-US" altLang="en-US" sz="2000"/>
-              <a:t> : 58</a:t>
+              <a:t>13.183 : 58</a:t>
             </a:r>
             <a:endParaRPr lang="en-US" altLang="en-US" sz="2000"/>
           </a:p>
@@ -3950,10 +3895,10 @@
           </a:bodyPr>
           <a:p>
             <a:r>
-              <a:rPr lang="" altLang="en-US" b="1"/>
+              <a:rPr lang="en-US" altLang="en-US" b="1"/>
               <a:t>KATEGORISASI</a:t>
             </a:r>
-            <a:endParaRPr lang="" altLang="en-US" b="1"/>
+            <a:endParaRPr lang="en-US" altLang="en-US" b="1"/>
           </a:p>
         </p:txBody>
       </p:sp>
@@ -3979,24 +3924,24 @@
           </a:bodyPr>
           <a:p>
             <a:r>
-              <a:rPr lang="" altLang="en-US" sz="1400" b="1" i="1"/>
+              <a:rPr lang="en-US" altLang="en-US" sz="1400" b="1" i="1"/>
               <a:t>Motivasi Menghafal Alquran</a:t>
             </a:r>
-            <a:endParaRPr lang="" altLang="en-US" sz="5400" i="1"/>
-          </a:p>
-          <a:p>
-            <a:r>
-              <a:rPr lang="" altLang="en-US" sz="5400"/>
+            <a:endParaRPr lang="en-US" altLang="en-US" sz="5400" i="1"/>
+          </a:p>
+          <a:p>
+            <a:r>
+              <a:rPr lang="en-US" altLang="en-US" sz="5400"/>
               <a:t>68 tinggi</a:t>
             </a:r>
             <a:endParaRPr lang="en-US" altLang="en-US" sz="5400"/>
           </a:p>
           <a:p>
             <a:r>
-              <a:rPr lang="" altLang="en-US"/>
+              <a:rPr lang="en-US" altLang="en-US"/>
               <a:t>19 sedang</a:t>
             </a:r>
-            <a:endParaRPr lang="" altLang="en-US"/>
+            <a:endParaRPr lang="en-US" altLang="en-US"/>
           </a:p>
         </p:txBody>
       </p:sp>
@@ -4022,31 +3967,31 @@
           </a:bodyPr>
           <a:p>
             <a:r>
-              <a:rPr lang="" altLang="en-US" sz="1400" b="1" i="1"/>
+              <a:rPr lang="en-US" altLang="en-US" sz="1400" b="1" i="1"/>
               <a:t>Efikasi Diri</a:t>
             </a:r>
             <a:endParaRPr lang="en-US" altLang="en-US" sz="5400" i="1"/>
           </a:p>
           <a:p>
             <a:r>
-              <a:rPr lang="" altLang="en-US" sz="5400"/>
+              <a:rPr lang="en-US" altLang="en-US" sz="5400"/>
               <a:t>59 tinggi</a:t>
             </a:r>
             <a:endParaRPr lang="en-US" altLang="en-US" sz="5400"/>
           </a:p>
           <a:p>
             <a:r>
-              <a:rPr lang="" altLang="en-US"/>
+              <a:rPr lang="en-US" altLang="en-US"/>
               <a:t>37 sedang</a:t>
             </a:r>
-            <a:endParaRPr lang="" altLang="en-US"/>
-          </a:p>
-          <a:p>
-            <a:r>
-              <a:rPr lang="" altLang="en-US"/>
+            <a:endParaRPr lang="en-US" altLang="en-US"/>
+          </a:p>
+          <a:p>
+            <a:r>
+              <a:rPr lang="en-US" altLang="en-US"/>
               <a:t>1 rendah</a:t>
             </a:r>
-            <a:endParaRPr lang="" altLang="en-US"/>
+            <a:endParaRPr lang="en-US" altLang="en-US"/>
           </a:p>
         </p:txBody>
       </p:sp>
@@ -4072,7 +4017,7 @@
           </a:bodyPr>
           <a:p>
             <a:r>
-              <a:rPr lang="" altLang="en-US" sz="1400" b="1" i="1"/>
+              <a:rPr lang="en-US" altLang="en-US" sz="1400" b="1" i="1"/>
               <a:t>Dukungan Guru Tahfidz</a:t>
             </a:r>
             <a:endParaRPr lang="en-US" altLang="en-US" sz="5400" i="1"/>
@@ -4080,25 +4025,13 @@
           <a:p>
             <a:r>
               <a:rPr lang="en-US" altLang="en-US" sz="5400"/>
-              <a:t>5</a:t>
-            </a:r>
-            <a:r>
-              <a:rPr lang="" altLang="en-US" sz="5400"/>
-              <a:t>7</a:t>
-            </a:r>
-            <a:r>
-              <a:rPr lang="en-US" altLang="en-US" sz="5400"/>
-              <a:t> </a:t>
-            </a:r>
-            <a:r>
-              <a:rPr lang="" altLang="en-US" sz="5400"/>
-              <a:t>sedang</a:t>
+              <a:t>57 sedang</a:t>
             </a:r>
             <a:endParaRPr lang="en-US" altLang="en-US" sz="5400"/>
           </a:p>
           <a:p>
             <a:r>
-              <a:rPr lang="" altLang="en-US"/>
+              <a:rPr lang="en-US" altLang="en-US"/>
               <a:t>30 tinggi</a:t>
             </a:r>
             <a:endParaRPr lang="en-US" altLang="en-US"/>
@@ -4145,20 +4078,20 @@
           </a:bodyPr>
           <a:p>
             <a:r>
-              <a:rPr lang="" altLang="en-US" b="1"/>
+              <a:rPr lang="en-US" altLang="en-US" b="1"/>
               <a:t>UJI NORMALITAS </a:t>
             </a:r>
             <a:r>
-              <a:rPr lang="" altLang="en-US"/>
+              <a:rPr lang="en-US" altLang="en-US"/>
               <a:t>(p &gt; 0.05)</a:t>
             </a:r>
-            <a:endParaRPr lang="" altLang="en-US"/>
+            <a:endParaRPr lang="en-US" altLang="en-US"/>
           </a:p>
         </p:txBody>
       </p:sp>
       <p:pic>
         <p:nvPicPr>
-          <p:cNvPr id="-2147482623" name="Picture -2147482624"/>
+          <p:cNvPr id="2" name="Picture -2147482624"/>
           <p:cNvPicPr>
             <a:picLocks noChangeAspect="1"/>
           </p:cNvPicPr>
@@ -4206,23 +4139,23 @@
           </a:bodyPr>
           <a:p>
             <a:r>
-              <a:rPr lang="" altLang="en-US"/>
+              <a:rPr lang="en-US" altLang="en-US"/>
               <a:t>Motivasi Menghafal Alquran</a:t>
             </a:r>
-            <a:endParaRPr lang="" altLang="en-US"/>
-          </a:p>
-          <a:p>
-            <a:r>
-              <a:rPr lang="" altLang="en-US" sz="3600"/>
+            <a:endParaRPr lang="en-US" altLang="en-US"/>
+          </a:p>
+          <a:p>
+            <a:r>
+              <a:rPr lang="en-US" altLang="en-US" sz="3600"/>
               <a:t>0.003</a:t>
             </a:r>
-            <a:endParaRPr lang="" altLang="en-US" sz="3600"/>
+            <a:endParaRPr lang="en-US" altLang="en-US" sz="3600"/>
           </a:p>
         </p:txBody>
       </p:sp>
       <p:pic>
         <p:nvPicPr>
-          <p:cNvPr id="-2147482622" name="Picture -2147482623"/>
+          <p:cNvPr id="3" name="Picture -2147482623"/>
           <p:cNvPicPr>
             <a:picLocks noChangeAspect="1"/>
           </p:cNvPicPr>
@@ -4270,7 +4203,7 @@
           </a:bodyPr>
           <a:p>
             <a:r>
-              <a:rPr lang="" altLang="en-US"/>
+              <a:rPr lang="en-US" altLang="en-US"/>
               <a:t>Efikasi Diri</a:t>
             </a:r>
             <a:endParaRPr lang="en-US" altLang="en-US"/>
@@ -4278,19 +4211,15 @@
           <a:p>
             <a:r>
               <a:rPr lang="en-US" altLang="en-US" sz="3600"/>
-              <a:t>0.00</a:t>
-            </a:r>
-            <a:r>
-              <a:rPr lang="" altLang="en-US" sz="3600"/>
-              <a:t>1</a:t>
-            </a:r>
-            <a:endParaRPr lang="" altLang="en-US" sz="3600"/>
+              <a:t>0.001</a:t>
+            </a:r>
+            <a:endParaRPr lang="en-US" altLang="en-US" sz="3600"/>
           </a:p>
         </p:txBody>
       </p:sp>
       <p:pic>
         <p:nvPicPr>
-          <p:cNvPr id="-2147482621" name="Picture -2147482622"/>
+          <p:cNvPr id="7" name="Picture -2147482622"/>
           <p:cNvPicPr>
             <a:picLocks noChangeAspect="1"/>
           </p:cNvPicPr>
@@ -4318,7 +4247,7 @@
       </p:pic>
       <p:sp>
         <p:nvSpPr>
-          <p:cNvPr id="7" name="Text Box 6"/>
+          <p:cNvPr id="8" name="Text Box 7"/>
           <p:cNvSpPr txBox="1"/>
           <p:nvPr/>
         </p:nvSpPr>
@@ -4338,7 +4267,7 @@
           </a:bodyPr>
           <a:p>
             <a:r>
-              <a:rPr lang="" altLang="en-US"/>
+              <a:rPr lang="en-US" altLang="en-US"/>
               <a:t>Dukungan Guru Tahfidz</a:t>
             </a:r>
             <a:endParaRPr lang="en-US" altLang="en-US"/>
@@ -4346,19 +4275,15 @@
           <a:p>
             <a:r>
               <a:rPr lang="en-US" altLang="en-US" sz="3600"/>
-              <a:t>0.0</a:t>
-            </a:r>
-            <a:r>
-              <a:rPr lang="" altLang="en-US" sz="3600"/>
-              <a:t>13</a:t>
-            </a:r>
-            <a:endParaRPr lang="" altLang="en-US" sz="3600"/>
-          </a:p>
-        </p:txBody>
-      </p:sp>
-      <p:sp>
-        <p:nvSpPr>
-          <p:cNvPr id="8" name="Text Box 7"/>
+              <a:t>0.013</a:t>
+            </a:r>
+            <a:endParaRPr lang="en-US" altLang="en-US" sz="3600"/>
+          </a:p>
+        </p:txBody>
+      </p:sp>
+      <p:sp>
+        <p:nvSpPr>
+          <p:cNvPr id="9" name="Text Box 8"/>
           <p:cNvSpPr txBox="1"/>
           <p:nvPr/>
         </p:nvSpPr>
@@ -4379,19 +4304,11 @@
           <a:p>
             <a:r>
               <a:rPr lang="en-US" altLang="en-US" b="1"/>
-              <a:t>UJI </a:t>
-            </a:r>
-            <a:r>
-              <a:rPr lang="" altLang="en-US" b="1"/>
-              <a:t>LINEARITAS</a:t>
+              <a:t>UJI LINEARITAS</a:t>
             </a:r>
             <a:r>
               <a:rPr lang="en-US" altLang="en-US"/>
-              <a:t> </a:t>
-            </a:r>
-            <a:r>
-              <a:rPr lang="en-US" altLang="en-US"/>
-              <a:t>(p &gt; 0.05)</a:t>
+              <a:t> (p &gt; 0.05)</a:t>
             </a:r>
             <a:endParaRPr lang="en-US" altLang="en-US"/>
           </a:p>
@@ -4399,7 +4316,7 @@
       </p:sp>
       <p:sp>
         <p:nvSpPr>
-          <p:cNvPr id="9" name="Text Box 8"/>
+          <p:cNvPr id="10" name="Text Box 9"/>
           <p:cNvSpPr txBox="1"/>
           <p:nvPr/>
         </p:nvSpPr>
@@ -4420,36 +4337,32 @@
           <a:p>
             <a:pPr algn="l"/>
             <a:r>
-              <a:rPr lang="" altLang="en-US"/>
+              <a:rPr lang="en-US" altLang="en-US"/>
               <a:t>X</a:t>
             </a:r>
             <a:r>
-              <a:rPr lang="" altLang="en-US" baseline="-25000"/>
+              <a:rPr lang="en-US" altLang="en-US" baseline="-25000"/>
               <a:t>1 </a:t>
             </a:r>
             <a:r>
-              <a:rPr lang="" altLang="en-US"/>
+              <a:rPr lang="en-US" altLang="en-US"/>
               <a:t>→ Y</a:t>
             </a:r>
-            <a:endParaRPr lang="" altLang="en-US" baseline="-25000"/>
+            <a:endParaRPr lang="en-US" altLang="en-US" baseline="-25000"/>
           </a:p>
           <a:p>
             <a:pPr algn="l"/>
             <a:r>
               <a:rPr lang="en-US" altLang="en-US" sz="3600"/>
-              <a:t>0.</a:t>
-            </a:r>
-            <a:r>
-              <a:rPr lang="" altLang="en-US" sz="3600"/>
-              <a:t>393</a:t>
-            </a:r>
-            <a:endParaRPr lang="" altLang="en-US" sz="3600"/>
-          </a:p>
-        </p:txBody>
-      </p:sp>
-      <p:sp>
-        <p:nvSpPr>
-          <p:cNvPr id="10" name="Text Box 9"/>
+              <a:t>0.393</a:t>
+            </a:r>
+            <a:endParaRPr lang="en-US" altLang="en-US" sz="3600"/>
+          </a:p>
+        </p:txBody>
+      </p:sp>
+      <p:sp>
+        <p:nvSpPr>
+          <p:cNvPr id="11" name="Text Box 10"/>
           <p:cNvSpPr txBox="1"/>
           <p:nvPr/>
         </p:nvSpPr>
@@ -4474,12 +4387,8 @@
               <a:t>X</a:t>
             </a:r>
             <a:r>
-              <a:rPr lang="" altLang="en-US" baseline="-25000"/>
-              <a:t>2</a:t>
-            </a:r>
-            <a:r>
               <a:rPr lang="en-US" altLang="en-US" baseline="-25000"/>
-              <a:t> </a:t>
+              <a:t>2 </a:t>
             </a:r>
             <a:r>
               <a:rPr lang="en-US" altLang="en-US"/>
@@ -4491,19 +4400,15 @@
             <a:pPr algn="l"/>
             <a:r>
               <a:rPr lang="en-US" altLang="en-US" sz="3600"/>
-              <a:t>0.</a:t>
-            </a:r>
-            <a:r>
-              <a:rPr lang="" altLang="en-US" sz="3600"/>
-              <a:t>081</a:t>
-            </a:r>
-            <a:endParaRPr lang="" altLang="en-US" sz="3600"/>
-          </a:p>
-        </p:txBody>
-      </p:sp>
-      <p:sp>
-        <p:nvSpPr>
-          <p:cNvPr id="11" name="Text Box 10"/>
+              <a:t>0.081</a:t>
+            </a:r>
+            <a:endParaRPr lang="en-US" altLang="en-US" sz="3600"/>
+          </a:p>
+        </p:txBody>
+      </p:sp>
+      <p:sp>
+        <p:nvSpPr>
+          <p:cNvPr id="12" name="Text Box 11"/>
           <p:cNvSpPr txBox="1"/>
           <p:nvPr/>
         </p:nvSpPr>
@@ -4524,43 +4429,11 @@
           <a:p>
             <a:r>
               <a:rPr lang="en-US" altLang="en-US" b="1"/>
-              <a:t>UJI </a:t>
-            </a:r>
-            <a:r>
-              <a:rPr lang="" altLang="en-US" b="1"/>
-              <a:t>MULTIKOLINEARITAS</a:t>
+              <a:t>UJI MULTIKOLINEARITAS</a:t>
             </a:r>
             <a:r>
               <a:rPr lang="en-US" altLang="en-US"/>
-              <a:t> (</a:t>
-            </a:r>
-            <a:r>
-              <a:rPr lang="" altLang="en-US"/>
-              <a:t>~</a:t>
-            </a:r>
-            <a:r>
-              <a:rPr lang="" altLang="en-US"/>
-              <a:t>VIF</a:t>
-            </a:r>
-            <a:r>
-              <a:rPr lang="en-US" altLang="en-US"/>
-              <a:t> </a:t>
-            </a:r>
-            <a:r>
-              <a:rPr lang="" altLang="en-US"/>
-              <a:t>&lt;</a:t>
-            </a:r>
-            <a:r>
-              <a:rPr lang="en-US" altLang="en-US"/>
-              <a:t> </a:t>
-            </a:r>
-            <a:r>
-              <a:rPr lang="" altLang="en-US"/>
-              <a:t>10</a:t>
-            </a:r>
-            <a:r>
-              <a:rPr lang="en-US" altLang="en-US"/>
-              <a:t>)</a:t>
+              <a:t> (~VIF &lt; 10)</a:t>
             </a:r>
             <a:endParaRPr lang="en-US" altLang="en-US"/>
           </a:p>
@@ -4568,7 +4441,7 @@
       </p:sp>
       <p:sp>
         <p:nvSpPr>
-          <p:cNvPr id="12" name="Text Box 11"/>
+          <p:cNvPr id="13" name="Text Box 12"/>
           <p:cNvSpPr txBox="1"/>
           <p:nvPr/>
         </p:nvSpPr>
@@ -4605,16 +4478,16 @@
           <a:p>
             <a:pPr algn="l"/>
             <a:r>
-              <a:rPr lang="" altLang="en-US" sz="3600"/>
+              <a:rPr lang="en-US" altLang="en-US" sz="3600"/>
               <a:t>1.551</a:t>
             </a:r>
-            <a:endParaRPr lang="" altLang="en-US" sz="3600"/>
-          </a:p>
-        </p:txBody>
-      </p:sp>
-      <p:sp>
-        <p:nvSpPr>
-          <p:cNvPr id="13" name="Text Box 12"/>
+            <a:endParaRPr lang="en-US" altLang="en-US" sz="3600"/>
+          </a:p>
+        </p:txBody>
+      </p:sp>
+      <p:sp>
+        <p:nvSpPr>
+          <p:cNvPr id="14" name="Text Box 13"/>
           <p:cNvSpPr txBox="1"/>
           <p:nvPr/>
         </p:nvSpPr>
@@ -4651,10 +4524,466 @@
           <a:p>
             <a:pPr algn="l"/>
             <a:r>
+              <a:rPr lang="en-US" altLang="en-US" sz="3600"/>
+              <a:t>1.551</a:t>
+            </a:r>
+            <a:endParaRPr lang="en-US" altLang="en-US" sz="3600"/>
+          </a:p>
+        </p:txBody>
+      </p:sp>
+      <p:sp>
+        <p:nvSpPr>
+          <p:cNvPr id="15" name="Text Box 14"/>
+          <p:cNvSpPr txBox="1"/>
+          <p:nvPr/>
+        </p:nvSpPr>
+        <p:spPr>
+          <a:xfrm>
+            <a:off x="5497195" y="3244850"/>
+            <a:ext cx="4172585" cy="368300"/>
+          </a:xfrm>
+          <a:prstGeom prst="rect">
+            <a:avLst/>
+          </a:prstGeom>
+          <a:noFill/>
+        </p:spPr>
+        <p:txBody>
+          <a:bodyPr wrap="none" rtlCol="0">
+            <a:spAutoFit/>
+          </a:bodyPr>
+          <a:p>
+            <a:r>
+              <a:rPr lang="en-US" altLang="en-US" b="1"/>
+              <a:t>UJI </a:t>
+            </a:r>
+            <a:r>
+              <a:rPr lang="" altLang="en-US" b="1"/>
+              <a:t>HOMOSKEDASTISITAS</a:t>
+            </a:r>
+            <a:r>
+              <a:rPr lang="en-US" altLang="en-US"/>
+              <a:t> (</a:t>
+            </a:r>
+            <a:r>
+              <a:rPr lang="" altLang="en-US"/>
+              <a:t>p</a:t>
+            </a:r>
+            <a:r>
+              <a:rPr lang="en-US" altLang="en-US"/>
+              <a:t> </a:t>
+            </a:r>
+            <a:r>
+              <a:rPr lang="" altLang="en-US"/>
+              <a:t>&gt;</a:t>
+            </a:r>
+            <a:r>
+              <a:rPr lang="en-US" altLang="en-US"/>
+              <a:t> </a:t>
+            </a:r>
+            <a:r>
+              <a:rPr lang="" altLang="en-US"/>
+              <a:t>0.05</a:t>
+            </a:r>
+            <a:r>
+              <a:rPr lang="en-US" altLang="en-US"/>
+              <a:t>)</a:t>
+            </a:r>
+            <a:endParaRPr lang="en-US" altLang="en-US"/>
+          </a:p>
+        </p:txBody>
+      </p:sp>
+      <p:sp>
+        <p:nvSpPr>
+          <p:cNvPr id="16" name="Text Box 15"/>
+          <p:cNvSpPr txBox="1"/>
+          <p:nvPr/>
+        </p:nvSpPr>
+        <p:spPr>
+          <a:xfrm>
+            <a:off x="5497195" y="3724910"/>
+            <a:ext cx="1325880" cy="922020"/>
+          </a:xfrm>
+          <a:prstGeom prst="rect">
+            <a:avLst/>
+          </a:prstGeom>
+          <a:noFill/>
+        </p:spPr>
+        <p:txBody>
+          <a:bodyPr wrap="none" rtlCol="0">
+            <a:spAutoFit/>
+          </a:bodyPr>
+          <a:p>
+            <a:pPr algn="l"/>
+            <a:r>
+              <a:rPr lang="en-US" altLang="en-US"/>
+              <a:t>X</a:t>
+            </a:r>
+            <a:r>
+              <a:rPr lang="en-US" altLang="en-US" baseline="-25000"/>
+              <a:t>1</a:t>
+            </a:r>
+            <a:endParaRPr lang="en-US" altLang="en-US" baseline="-25000"/>
+          </a:p>
+          <a:p>
+            <a:pPr algn="l"/>
+            <a:r>
               <a:rPr lang="" altLang="en-US" sz="3600"/>
-              <a:t>1.551</a:t>
+              <a:t>0.027</a:t>
             </a:r>
             <a:endParaRPr lang="" altLang="en-US" sz="3600"/>
+          </a:p>
+        </p:txBody>
+      </p:sp>
+      <p:sp>
+        <p:nvSpPr>
+          <p:cNvPr id="17" name="Text Box 16"/>
+          <p:cNvSpPr txBox="1"/>
+          <p:nvPr/>
+        </p:nvSpPr>
+        <p:spPr>
+          <a:xfrm>
+            <a:off x="7049135" y="3724910"/>
+            <a:ext cx="1325880" cy="922020"/>
+          </a:xfrm>
+          <a:prstGeom prst="rect">
+            <a:avLst/>
+          </a:prstGeom>
+          <a:noFill/>
+        </p:spPr>
+        <p:txBody>
+          <a:bodyPr wrap="none" rtlCol="0">
+            <a:spAutoFit/>
+          </a:bodyPr>
+          <a:p>
+            <a:pPr algn="l"/>
+            <a:r>
+              <a:rPr lang="en-US" altLang="en-US"/>
+              <a:t>X</a:t>
+            </a:r>
+            <a:r>
+              <a:rPr lang="en-US" altLang="en-US" baseline="-25000"/>
+              <a:t>2</a:t>
+            </a:r>
+            <a:endParaRPr lang="en-US" altLang="en-US" baseline="-25000"/>
+          </a:p>
+          <a:p>
+            <a:pPr algn="l"/>
+            <a:r>
+              <a:rPr lang="" altLang="en-US" sz="3600"/>
+              <a:t>0.950</a:t>
+            </a:r>
+            <a:endParaRPr lang="" altLang="en-US" sz="3600"/>
+          </a:p>
+        </p:txBody>
+      </p:sp>
+      <p:sp>
+        <p:nvSpPr>
+          <p:cNvPr id="21" name="Text Box 20"/>
+          <p:cNvSpPr txBox="1"/>
+          <p:nvPr/>
+        </p:nvSpPr>
+        <p:spPr>
+          <a:xfrm>
+            <a:off x="5497195" y="4735195"/>
+            <a:ext cx="2623185" cy="368300"/>
+          </a:xfrm>
+          <a:prstGeom prst="rect">
+            <a:avLst/>
+          </a:prstGeom>
+          <a:noFill/>
+        </p:spPr>
+        <p:txBody>
+          <a:bodyPr wrap="none" rtlCol="0">
+            <a:spAutoFit/>
+          </a:bodyPr>
+          <a:p>
+            <a:r>
+              <a:rPr lang="en-US" altLang="en-US" b="1"/>
+              <a:t>UJI </a:t>
+            </a:r>
+            <a:r>
+              <a:rPr lang="" altLang="en-US" b="1"/>
+              <a:t>AUTOKORELASI </a:t>
+            </a:r>
+            <a:r>
+              <a:rPr lang="" altLang="en-US"/>
+              <a:t>~</a:t>
+            </a:r>
+            <a:endParaRPr lang="" altLang="en-US"/>
+          </a:p>
+        </p:txBody>
+      </p:sp>
+      <p:sp>
+        <p:nvSpPr>
+          <p:cNvPr id="22" name="Text Box 21"/>
+          <p:cNvSpPr txBox="1"/>
+          <p:nvPr/>
+        </p:nvSpPr>
+        <p:spPr>
+          <a:xfrm>
+            <a:off x="5497195" y="5103495"/>
+            <a:ext cx="2303780" cy="922020"/>
+          </a:xfrm>
+          <a:prstGeom prst="rect">
+            <a:avLst/>
+          </a:prstGeom>
+          <a:noFill/>
+        </p:spPr>
+        <p:txBody>
+          <a:bodyPr wrap="none" rtlCol="0">
+            <a:spAutoFit/>
+          </a:bodyPr>
+          <a:p>
+            <a:pPr algn="l"/>
+            <a:r>
+              <a:rPr lang="" altLang="en-US" sz="3600"/>
+              <a:t>dw &gt; 4 - dl</a:t>
+            </a:r>
+            <a:endParaRPr lang="" altLang="en-US" sz="3600"/>
+          </a:p>
+          <a:p>
+            <a:pPr algn="l"/>
+            <a:r>
+              <a:rPr lang="" altLang="en-US"/>
+              <a:t>terjadi autokorelasi</a:t>
+            </a:r>
+            <a:endParaRPr lang="" altLang="en-US"/>
+          </a:p>
+        </p:txBody>
+      </p:sp>
+      <p:sp>
+        <p:nvSpPr>
+          <p:cNvPr id="23" name="Text Box 22"/>
+          <p:cNvSpPr txBox="1"/>
+          <p:nvPr/>
+        </p:nvSpPr>
+        <p:spPr>
+          <a:xfrm>
+            <a:off x="7800975" y="5103495"/>
+            <a:ext cx="1649730" cy="922020"/>
+          </a:xfrm>
+          <a:prstGeom prst="rect">
+            <a:avLst/>
+          </a:prstGeom>
+          <a:noFill/>
+        </p:spPr>
+        <p:txBody>
+          <a:bodyPr wrap="none" rtlCol="0">
+            <a:spAutoFit/>
+          </a:bodyPr>
+          <a:p>
+            <a:r>
+              <a:rPr lang="" altLang="en-US"/>
+              <a:t>dw    = 2.482</a:t>
+            </a:r>
+            <a:endParaRPr lang="" altLang="en-US"/>
+          </a:p>
+          <a:p>
+            <a:r>
+              <a:rPr lang="" altLang="en-US"/>
+              <a:t>dl      = 1.6046</a:t>
+            </a:r>
+            <a:endParaRPr lang="" altLang="en-US"/>
+          </a:p>
+          <a:p>
+            <a:r>
+              <a:rPr lang="" altLang="en-US"/>
+              <a:t>4 - dl = 2.3954</a:t>
+            </a:r>
+            <a:endParaRPr lang="" altLang="en-US"/>
+          </a:p>
+        </p:txBody>
+      </p:sp>
+    </p:spTree>
+  </p:cSld>
+  <p:clrMapOvr>
+    <a:masterClrMapping/>
+  </p:clrMapOvr>
+</p:sld>
+</file>
+
+<file path=ppt/slides/slide4.xml><?xml version="1.0" encoding="utf-8"?>
+<p:sld xmlns:a="http://schemas.openxmlformats.org/drawingml/2006/main" xmlns:r="http://schemas.openxmlformats.org/officeDocument/2006/relationships" xmlns:p="http://schemas.openxmlformats.org/presentationml/2006/main">
+  <p:cSld>
+    <p:spTree>
+      <p:nvGrpSpPr>
+        <p:cNvPr id="1" name=""/>
+        <p:cNvGrpSpPr/>
+        <p:nvPr/>
+      </p:nvGrpSpPr>
+      <p:grpSpPr/>
+      <p:sp>
+        <p:nvSpPr>
+          <p:cNvPr id="4" name="Text Box 3"/>
+          <p:cNvSpPr txBox="1"/>
+          <p:nvPr/>
+        </p:nvSpPr>
+        <p:spPr>
+          <a:xfrm>
+            <a:off x="216535" y="226695"/>
+            <a:ext cx="4747895" cy="368300"/>
+          </a:xfrm>
+          <a:prstGeom prst="rect">
+            <a:avLst/>
+          </a:prstGeom>
+          <a:noFill/>
+        </p:spPr>
+        <p:txBody>
+          <a:bodyPr wrap="none" rtlCol="0">
+            <a:spAutoFit/>
+          </a:bodyPr>
+          <a:p>
+            <a:r>
+              <a:rPr lang="en-US" altLang="en-US" b="1"/>
+              <a:t>UJI </a:t>
+            </a:r>
+            <a:r>
+              <a:rPr lang="" altLang="en-US" b="1"/>
+              <a:t>HIPOTESIS KENDALL'S TAU</a:t>
+            </a:r>
+            <a:r>
+              <a:rPr lang="en-US" altLang="en-US" b="1"/>
+              <a:t> </a:t>
+            </a:r>
+            <a:r>
+              <a:rPr lang="en-US" altLang="en-US"/>
+              <a:t>(p &gt; 0.05)</a:t>
+            </a:r>
+            <a:endParaRPr lang="en-US" altLang="en-US"/>
+          </a:p>
+        </p:txBody>
+      </p:sp>
+      <p:sp>
+        <p:nvSpPr>
+          <p:cNvPr id="5" name="Text Box 4"/>
+          <p:cNvSpPr txBox="1"/>
+          <p:nvPr/>
+        </p:nvSpPr>
+        <p:spPr>
+          <a:xfrm>
+            <a:off x="216535" y="820420"/>
+            <a:ext cx="1899920" cy="1568450"/>
+          </a:xfrm>
+          <a:prstGeom prst="rect">
+            <a:avLst/>
+          </a:prstGeom>
+          <a:noFill/>
+        </p:spPr>
+        <p:txBody>
+          <a:bodyPr wrap="none" rtlCol="0">
+            <a:spAutoFit/>
+          </a:bodyPr>
+          <a:p>
+            <a:pPr algn="l"/>
+            <a:r>
+              <a:rPr lang="en-US" altLang="en-US">
+                <a:sym typeface="+mn-ea"/>
+              </a:rPr>
+              <a:t>X</a:t>
+            </a:r>
+            <a:r>
+              <a:rPr lang="en-US" altLang="en-US" baseline="-25000">
+                <a:sym typeface="+mn-ea"/>
+              </a:rPr>
+              <a:t>1 </a:t>
+            </a:r>
+            <a:r>
+              <a:rPr lang="en-US" altLang="en-US">
+                <a:sym typeface="+mn-ea"/>
+              </a:rPr>
+              <a:t>→ Y</a:t>
+            </a:r>
+            <a:endParaRPr lang="en-US" altLang="en-US" baseline="-25000"/>
+          </a:p>
+          <a:p>
+            <a:pPr algn="l"/>
+            <a:r>
+              <a:rPr lang="en-US" altLang="en-US" sz="5400"/>
+              <a:t>0.</a:t>
+            </a:r>
+            <a:r>
+              <a:rPr lang="" altLang="en-US" sz="5400"/>
+              <a:t>434</a:t>
+            </a:r>
+            <a:endParaRPr lang="" altLang="en-US" sz="5400"/>
+          </a:p>
+          <a:p>
+            <a:pPr algn="l"/>
+            <a:r>
+              <a:rPr lang="" altLang="en-US" sz="2400" b="1"/>
+              <a:t>Cukup</a:t>
+            </a:r>
+            <a:endParaRPr lang="" altLang="en-US" sz="2400" b="1"/>
+          </a:p>
+        </p:txBody>
+      </p:sp>
+      <p:sp>
+        <p:nvSpPr>
+          <p:cNvPr id="6" name="Text Box 5"/>
+          <p:cNvSpPr txBox="1"/>
+          <p:nvPr/>
+        </p:nvSpPr>
+        <p:spPr>
+          <a:xfrm>
+            <a:off x="2452370" y="820420"/>
+            <a:ext cx="2265680" cy="1568450"/>
+          </a:xfrm>
+          <a:prstGeom prst="rect">
+            <a:avLst/>
+          </a:prstGeom>
+          <a:noFill/>
+        </p:spPr>
+        <p:txBody>
+          <a:bodyPr wrap="none" rtlCol="0">
+            <a:spAutoFit/>
+          </a:bodyPr>
+          <a:p>
+            <a:pPr algn="l"/>
+            <a:r>
+              <a:rPr lang="en-US" altLang="en-US">
+                <a:sym typeface="+mn-ea"/>
+              </a:rPr>
+              <a:t>X</a:t>
+            </a:r>
+            <a:r>
+              <a:rPr lang="" altLang="en-US" baseline="-25000">
+                <a:sym typeface="+mn-ea"/>
+              </a:rPr>
+              <a:t>2</a:t>
+            </a:r>
+            <a:r>
+              <a:rPr lang="en-US" altLang="en-US" baseline="-25000">
+                <a:sym typeface="+mn-ea"/>
+              </a:rPr>
+              <a:t> </a:t>
+            </a:r>
+            <a:r>
+              <a:rPr lang="en-US" altLang="en-US">
+                <a:sym typeface="+mn-ea"/>
+              </a:rPr>
+              <a:t>→ Y</a:t>
+            </a:r>
+            <a:endParaRPr lang="en-US" altLang="en-US" baseline="-25000"/>
+          </a:p>
+          <a:p>
+            <a:pPr algn="l"/>
+            <a:r>
+              <a:rPr lang="en-US" altLang="en-US" sz="5400"/>
+              <a:t>0.</a:t>
+            </a:r>
+            <a:r>
+              <a:rPr lang="" altLang="en-US" sz="5400"/>
+              <a:t>218</a:t>
+            </a:r>
+            <a:endParaRPr lang="en-US" altLang="en-US" sz="5400"/>
+          </a:p>
+          <a:p>
+            <a:pPr algn="l"/>
+            <a:r>
+              <a:rPr lang="" altLang="en-US" sz="2400" b="1"/>
+              <a:t>Sangat Lemah</a:t>
+            </a:r>
+            <a:endParaRPr lang="" altLang="en-US" sz="2400" b="1"/>
           </a:p>
         </p:txBody>
       </p:sp>

--- a/Seminar Hasil Skripsi.pptx
+++ b/Seminar Hasil Skripsi.pptx
@@ -4984,6 +4984,317 @@
               <a:t>Sangat Lemah</a:t>
             </a:r>
             <a:endParaRPr lang="" altLang="en-US" sz="2400" b="1"/>
+          </a:p>
+        </p:txBody>
+      </p:sp>
+      <p:graphicFrame>
+        <p:nvGraphicFramePr>
+          <p:cNvPr id="7" name="Table 6"/>
+          <p:cNvGraphicFramePr/>
+          <p:nvPr/>
+        </p:nvGraphicFramePr>
+        <p:xfrm>
+          <a:off x="216535" y="2602865"/>
+          <a:ext cx="2913380" cy="1905000"/>
+        </p:xfrm>
+        <a:graphic>
+          <a:graphicData uri="http://schemas.openxmlformats.org/drawingml/2006/table">
+            <a:tbl>
+              <a:tblPr bandCol="1">
+                <a:tableStyleId>{22838BEF-8BB2-4498-84A7-C5851F593DF1}</a:tableStyleId>
+              </a:tblPr>
+              <a:tblGrid>
+                <a:gridCol w="1197610"/>
+                <a:gridCol w="1715770"/>
+              </a:tblGrid>
+              <a:tr h="381000">
+                <a:tc>
+                  <a:txBody>
+                    <a:bodyPr/>
+                    <a:p>
+                      <a:pPr>
+                        <a:buNone/>
+                      </a:pPr>
+                      <a:r>
+                        <a:rPr lang="" altLang="en-US"/>
+                        <a:t>0.00-0.25</a:t>
+                      </a:r>
+                      <a:endParaRPr lang="" altLang="en-US"/>
+                    </a:p>
+                  </a:txBody>
+                  <a:tcPr/>
+                </a:tc>
+                <a:tc>
+                  <a:txBody>
+                    <a:bodyPr/>
+                    <a:p>
+                      <a:pPr>
+                        <a:buNone/>
+                      </a:pPr>
+                      <a:r>
+                        <a:rPr lang="" altLang="en-US"/>
+                        <a:t>Sangat Lemah</a:t>
+                      </a:r>
+                      <a:endParaRPr lang="" altLang="en-US"/>
+                    </a:p>
+                  </a:txBody>
+                  <a:tcPr/>
+                </a:tc>
+              </a:tr>
+              <a:tr h="381000">
+                <a:tc>
+                  <a:txBody>
+                    <a:bodyPr/>
+                    <a:p>
+                      <a:pPr>
+                        <a:buNone/>
+                      </a:pPr>
+                      <a:r>
+                        <a:rPr lang="" altLang="en-US"/>
+                        <a:t>0.26-0.50</a:t>
+                      </a:r>
+                      <a:endParaRPr lang="" altLang="en-US"/>
+                    </a:p>
+                  </a:txBody>
+                  <a:tcPr/>
+                </a:tc>
+                <a:tc>
+                  <a:txBody>
+                    <a:bodyPr/>
+                    <a:p>
+                      <a:pPr>
+                        <a:buNone/>
+                      </a:pPr>
+                      <a:r>
+                        <a:rPr lang="" altLang="en-US"/>
+                        <a:t>Cukup</a:t>
+                      </a:r>
+                      <a:endParaRPr lang="" altLang="en-US"/>
+                    </a:p>
+                  </a:txBody>
+                  <a:tcPr/>
+                </a:tc>
+              </a:tr>
+              <a:tr h="381000">
+                <a:tc>
+                  <a:txBody>
+                    <a:bodyPr/>
+                    <a:p>
+                      <a:pPr>
+                        <a:buNone/>
+                      </a:pPr>
+                      <a:r>
+                        <a:rPr lang="" altLang="en-US"/>
+                        <a:t>0.51-0.75</a:t>
+                      </a:r>
+                      <a:endParaRPr lang="" altLang="en-US"/>
+                    </a:p>
+                  </a:txBody>
+                  <a:tcPr/>
+                </a:tc>
+                <a:tc>
+                  <a:txBody>
+                    <a:bodyPr/>
+                    <a:p>
+                      <a:pPr>
+                        <a:buNone/>
+                      </a:pPr>
+                      <a:r>
+                        <a:rPr lang="" altLang="en-US"/>
+                        <a:t>Kuat</a:t>
+                      </a:r>
+                      <a:endParaRPr lang="" altLang="en-US"/>
+                    </a:p>
+                  </a:txBody>
+                  <a:tcPr/>
+                </a:tc>
+              </a:tr>
+              <a:tr h="381000">
+                <a:tc>
+                  <a:txBody>
+                    <a:bodyPr/>
+                    <a:p>
+                      <a:pPr>
+                        <a:buNone/>
+                      </a:pPr>
+                      <a:r>
+                        <a:rPr lang="" altLang="en-US"/>
+                        <a:t>0.76-0.99</a:t>
+                      </a:r>
+                      <a:endParaRPr lang="" altLang="en-US"/>
+                    </a:p>
+                  </a:txBody>
+                  <a:tcPr/>
+                </a:tc>
+                <a:tc>
+                  <a:txBody>
+                    <a:bodyPr/>
+                    <a:p>
+                      <a:pPr>
+                        <a:buNone/>
+                      </a:pPr>
+                      <a:r>
+                        <a:rPr lang="" altLang="en-US"/>
+                        <a:t>Sangat Kuat</a:t>
+                      </a:r>
+                      <a:endParaRPr lang="" altLang="en-US"/>
+                    </a:p>
+                  </a:txBody>
+                  <a:tcPr/>
+                </a:tc>
+              </a:tr>
+              <a:tr h="381000">
+                <a:tc>
+                  <a:txBody>
+                    <a:bodyPr/>
+                    <a:p>
+                      <a:pPr>
+                        <a:buNone/>
+                      </a:pPr>
+                      <a:r>
+                        <a:rPr lang="" altLang="en-US"/>
+                        <a:t>1.00</a:t>
+                      </a:r>
+                      <a:endParaRPr lang="" altLang="en-US"/>
+                    </a:p>
+                  </a:txBody>
+                  <a:tcPr/>
+                </a:tc>
+                <a:tc>
+                  <a:txBody>
+                    <a:bodyPr/>
+                    <a:p>
+                      <a:pPr>
+                        <a:buNone/>
+                      </a:pPr>
+                      <a:r>
+                        <a:rPr lang="" altLang="en-US"/>
+                        <a:t>Sempurna</a:t>
+                      </a:r>
+                      <a:endParaRPr lang="" altLang="en-US"/>
+                    </a:p>
+                  </a:txBody>
+                  <a:tcPr/>
+                </a:tc>
+              </a:tr>
+            </a:tbl>
+          </a:graphicData>
+        </a:graphic>
+      </p:graphicFrame>
+      <p:sp>
+        <p:nvSpPr>
+          <p:cNvPr id="9" name="Text Box 8"/>
+          <p:cNvSpPr txBox="1"/>
+          <p:nvPr/>
+        </p:nvSpPr>
+        <p:spPr>
+          <a:xfrm>
+            <a:off x="5534660" y="226695"/>
+            <a:ext cx="3615690" cy="368300"/>
+          </a:xfrm>
+          <a:prstGeom prst="rect">
+            <a:avLst/>
+          </a:prstGeom>
+          <a:noFill/>
+        </p:spPr>
+        <p:txBody>
+          <a:bodyPr wrap="none" rtlCol="0">
+            <a:spAutoFit/>
+          </a:bodyPr>
+          <a:p>
+            <a:r>
+              <a:rPr lang="" altLang="en-US" b="1"/>
+              <a:t>UNTUK PENELITI BERIKUTNYA</a:t>
+            </a:r>
+            <a:endParaRPr lang="" altLang="en-US"/>
+          </a:p>
+        </p:txBody>
+      </p:sp>
+      <p:sp>
+        <p:nvSpPr>
+          <p:cNvPr id="10" name="Text Box 9"/>
+          <p:cNvSpPr txBox="1"/>
+          <p:nvPr/>
+        </p:nvSpPr>
+        <p:spPr>
+          <a:xfrm>
+            <a:off x="5534660" y="820420"/>
+            <a:ext cx="4697730" cy="1753235"/>
+          </a:xfrm>
+          <a:prstGeom prst="rect">
+            <a:avLst/>
+          </a:prstGeom>
+          <a:noFill/>
+        </p:spPr>
+        <p:txBody>
+          <a:bodyPr wrap="none" rtlCol="0">
+            <a:spAutoFit/>
+          </a:bodyPr>
+          <a:p>
+            <a:pPr marL="285750" indent="-285750">
+              <a:buFont typeface="Arial" panose="020B0604020202020204" pitchFamily="34" charset="0"/>
+              <a:buChar char="•"/>
+            </a:pPr>
+            <a:r>
+              <a:rPr lang="" altLang="en-US"/>
+              <a:t>Perbanyak subyek</a:t>
+            </a:r>
+            <a:endParaRPr lang="" altLang="en-US"/>
+          </a:p>
+          <a:p>
+            <a:pPr marL="285750" indent="-285750">
+              <a:buFont typeface="Arial" panose="020B0604020202020204" pitchFamily="34" charset="0"/>
+              <a:buChar char="•"/>
+            </a:pPr>
+            <a:r>
+              <a:rPr lang="" altLang="en-US"/>
+              <a:t>Ketepatan dalam operasionalisasi konsep</a:t>
+            </a:r>
+            <a:endParaRPr lang="" altLang="en-US"/>
+          </a:p>
+          <a:p>
+            <a:pPr marL="285750" indent="-285750">
+              <a:buFont typeface="Arial" panose="020B0604020202020204" pitchFamily="34" charset="0"/>
+              <a:buChar char="•"/>
+            </a:pPr>
+            <a:r>
+              <a:rPr lang="" altLang="en-US"/>
+              <a:t>Penyempurnaan tata bahasa aitem</a:t>
+            </a:r>
+            <a:endParaRPr lang="" altLang="en-US"/>
+          </a:p>
+          <a:p>
+            <a:pPr marL="285750" indent="-285750">
+              <a:buFont typeface="Arial" panose="020B0604020202020204" pitchFamily="34" charset="0"/>
+              <a:buChar char="•"/>
+            </a:pPr>
+            <a:r>
+              <a:rPr lang="" altLang="en-US"/>
+              <a:t>Administrasi skala yang rapi</a:t>
+            </a:r>
+            <a:endParaRPr lang="" altLang="en-US"/>
+          </a:p>
+          <a:p>
+            <a:pPr marL="285750" indent="-285750">
+              <a:buFont typeface="Arial" panose="020B0604020202020204" pitchFamily="34" charset="0"/>
+              <a:buChar char="•"/>
+            </a:pPr>
+            <a:r>
+              <a:rPr lang="" altLang="en-US"/>
+              <a:t>Pemberian skor yang tepat</a:t>
+            </a:r>
+            <a:endParaRPr lang="" altLang="en-US"/>
+          </a:p>
+          <a:p>
+            <a:pPr marL="285750" indent="-285750">
+              <a:buFont typeface="Arial" panose="020B0604020202020204" pitchFamily="34" charset="0"/>
+              <a:buChar char="•"/>
+            </a:pPr>
+            <a:r>
+              <a:rPr lang="" altLang="en-US"/>
+              <a:t>Interpretasi yang tepat</a:t>
+            </a:r>
+            <a:endParaRPr lang="" altLang="en-US"/>
           </a:p>
         </p:txBody>
       </p:sp>

--- a/Seminar Hasil Skripsi.pptx
+++ b/Seminar Hasil Skripsi.pptx
@@ -4139,17 +4139,33 @@
           </a:bodyPr>
           <a:p>
             <a:r>
-              <a:rPr lang="en-US" altLang="en-US"/>
+              <a:rPr lang="en-US" altLang="en-US">
+                <a:solidFill>
+                  <a:srgbClr val="FF0000"/>
+                </a:solidFill>
+              </a:rPr>
               <a:t>Motivasi Menghafal Alquran</a:t>
             </a:r>
-            <a:endParaRPr lang="en-US" altLang="en-US"/>
-          </a:p>
-          <a:p>
-            <a:r>
-              <a:rPr lang="en-US" altLang="en-US" sz="3600"/>
+            <a:endParaRPr lang="en-US" altLang="en-US">
+              <a:solidFill>
+                <a:srgbClr val="FF0000"/>
+              </a:solidFill>
+            </a:endParaRPr>
+          </a:p>
+          <a:p>
+            <a:r>
+              <a:rPr lang="en-US" altLang="en-US" sz="3600">
+                <a:solidFill>
+                  <a:srgbClr val="FF0000"/>
+                </a:solidFill>
+              </a:rPr>
               <a:t>0.003</a:t>
             </a:r>
-            <a:endParaRPr lang="en-US" altLang="en-US" sz="3600"/>
+            <a:endParaRPr lang="en-US" altLang="en-US" sz="3600">
+              <a:solidFill>
+                <a:srgbClr val="FF0000"/>
+              </a:solidFill>
+            </a:endParaRPr>
           </a:p>
         </p:txBody>
       </p:sp>
@@ -4203,17 +4219,33 @@
           </a:bodyPr>
           <a:p>
             <a:r>
-              <a:rPr lang="en-US" altLang="en-US"/>
+              <a:rPr lang="en-US" altLang="en-US">
+                <a:solidFill>
+                  <a:srgbClr val="FF0000"/>
+                </a:solidFill>
+              </a:rPr>
               <a:t>Efikasi Diri</a:t>
             </a:r>
-            <a:endParaRPr lang="en-US" altLang="en-US"/>
-          </a:p>
-          <a:p>
-            <a:r>
-              <a:rPr lang="en-US" altLang="en-US" sz="3600"/>
+            <a:endParaRPr lang="en-US" altLang="en-US">
+              <a:solidFill>
+                <a:srgbClr val="FF0000"/>
+              </a:solidFill>
+            </a:endParaRPr>
+          </a:p>
+          <a:p>
+            <a:r>
+              <a:rPr lang="en-US" altLang="en-US" sz="3600">
+                <a:solidFill>
+                  <a:srgbClr val="FF0000"/>
+                </a:solidFill>
+              </a:rPr>
               <a:t>0.001</a:t>
             </a:r>
-            <a:endParaRPr lang="en-US" altLang="en-US" sz="3600"/>
+            <a:endParaRPr lang="en-US" altLang="en-US" sz="3600">
+              <a:solidFill>
+                <a:srgbClr val="FF0000"/>
+              </a:solidFill>
+            </a:endParaRPr>
           </a:p>
         </p:txBody>
       </p:sp>
@@ -4267,17 +4299,33 @@
           </a:bodyPr>
           <a:p>
             <a:r>
-              <a:rPr lang="en-US" altLang="en-US"/>
+              <a:rPr lang="en-US" altLang="en-US">
+                <a:solidFill>
+                  <a:srgbClr val="FF0000"/>
+                </a:solidFill>
+              </a:rPr>
               <a:t>Dukungan Guru Tahfidz</a:t>
             </a:r>
-            <a:endParaRPr lang="en-US" altLang="en-US"/>
-          </a:p>
-          <a:p>
-            <a:r>
-              <a:rPr lang="en-US" altLang="en-US" sz="3600"/>
+            <a:endParaRPr lang="en-US" altLang="en-US">
+              <a:solidFill>
+                <a:srgbClr val="FF0000"/>
+              </a:solidFill>
+            </a:endParaRPr>
+          </a:p>
+          <a:p>
+            <a:r>
+              <a:rPr lang="en-US" altLang="en-US" sz="3600">
+                <a:solidFill>
+                  <a:srgbClr val="FF0000"/>
+                </a:solidFill>
+              </a:rPr>
               <a:t>0.013</a:t>
             </a:r>
-            <a:endParaRPr lang="en-US" altLang="en-US" sz="3600"/>
+            <a:endParaRPr lang="en-US" altLang="en-US" sz="3600">
+              <a:solidFill>
+                <a:srgbClr val="FF0000"/>
+              </a:solidFill>
+            </a:endParaRPr>
           </a:p>
         </p:txBody>
       </p:sp>
@@ -4415,7 +4463,7 @@
         <p:spPr>
           <a:xfrm>
             <a:off x="5497195" y="1742440"/>
-            <a:ext cx="4199890" cy="368300"/>
+            <a:ext cx="5920740" cy="368300"/>
           </a:xfrm>
           <a:prstGeom prst="rect">
             <a:avLst/>
@@ -4433,7 +4481,15 @@
             </a:r>
             <a:r>
               <a:rPr lang="en-US" altLang="en-US"/>
-              <a:t> (~VIF &lt; 10)</a:t>
+              <a:t> (~ </a:t>
+            </a:r>
+            <a:r>
+              <a:rPr lang="" altLang="en-US"/>
+              <a:t>Tolerance &lt; 1 &amp; </a:t>
+            </a:r>
+            <a:r>
+              <a:rPr lang="en-US" altLang="en-US"/>
+              <a:t>VIF &lt; 10)</a:t>
             </a:r>
             <a:endParaRPr lang="en-US" altLang="en-US"/>
           </a:p>
@@ -4462,26 +4518,18 @@
           <a:p>
             <a:pPr algn="l"/>
             <a:r>
-              <a:rPr lang="en-US" altLang="en-US"/>
-              <a:t>X</a:t>
-            </a:r>
-            <a:r>
-              <a:rPr lang="en-US" altLang="en-US" baseline="-25000"/>
-              <a:t>1 </a:t>
-            </a:r>
-            <a:r>
-              <a:rPr lang="en-US" altLang="en-US"/>
-              <a:t>→ Y</a:t>
+              <a:rPr lang="" altLang="en-US"/>
+              <a:t>Tolerance</a:t>
             </a:r>
             <a:endParaRPr lang="en-US" altLang="en-US" baseline="-25000"/>
           </a:p>
           <a:p>
             <a:pPr algn="l"/>
             <a:r>
-              <a:rPr lang="en-US" altLang="en-US" sz="3600"/>
-              <a:t>1.551</a:t>
-            </a:r>
-            <a:endParaRPr lang="en-US" altLang="en-US" sz="3600"/>
+              <a:rPr lang="" altLang="en-US" sz="3600"/>
+              <a:t>0.645</a:t>
+            </a:r>
+            <a:endParaRPr lang="" altLang="en-US" sz="3600"/>
           </a:p>
         </p:txBody>
       </p:sp>
@@ -4508,16 +4556,8 @@
           <a:p>
             <a:pPr algn="l"/>
             <a:r>
-              <a:rPr lang="en-US" altLang="en-US"/>
-              <a:t>X</a:t>
-            </a:r>
-            <a:r>
-              <a:rPr lang="en-US" altLang="en-US" baseline="-25000"/>
-              <a:t>2 </a:t>
-            </a:r>
-            <a:r>
-              <a:rPr lang="en-US" altLang="en-US"/>
-              <a:t>→ Y</a:t>
+              <a:rPr lang="" altLang="en-US"/>
+              <a:t>VIF</a:t>
             </a:r>
             <a:endParaRPr lang="en-US" altLang="en-US" baseline="-25000"/>
           </a:p>
@@ -4540,7 +4580,7 @@
         <p:spPr>
           <a:xfrm>
             <a:off x="5497195" y="3244850"/>
-            <a:ext cx="4172585" cy="368300"/>
+            <a:ext cx="6372225" cy="368300"/>
           </a:xfrm>
           <a:prstGeom prst="rect">
             <a:avLst/>
@@ -4554,35 +4594,31 @@
           <a:p>
             <a:r>
               <a:rPr lang="en-US" altLang="en-US" b="1"/>
-              <a:t>UJI </a:t>
-            </a:r>
-            <a:r>
-              <a:rPr lang="" altLang="en-US" b="1"/>
-              <a:t>HOMOSKEDASTISITAS</a:t>
+              <a:t>UJI HOMOSKEDASTISITAS</a:t>
             </a:r>
             <a:r>
               <a:rPr lang="en-US" altLang="en-US"/>
-              <a:t> (</a:t>
+              <a:t> (p &gt; 0.05 </a:t>
             </a:r>
             <a:r>
               <a:rPr lang="" altLang="en-US"/>
-              <a:t>p</a:t>
-            </a:r>
-            <a:r>
-              <a:rPr lang="en-US" altLang="en-US"/>
-              <a:t> </a:t>
+              <a:t>&amp; t</a:t>
+            </a:r>
+            <a:r>
+              <a:rPr lang="" altLang="en-US" baseline="-25000"/>
+              <a:t>tabel  </a:t>
             </a:r>
             <a:r>
               <a:rPr lang="" altLang="en-US"/>
-              <a:t>&gt;</a:t>
-            </a:r>
-            <a:r>
-              <a:rPr lang="en-US" altLang="en-US"/>
-              <a:t> </a:t>
+              <a:t>(1.988) </a:t>
             </a:r>
             <a:r>
               <a:rPr lang="" altLang="en-US"/>
-              <a:t>0.05</a:t>
+              <a:t>&gt; t</a:t>
+            </a:r>
+            <a:r>
+              <a:rPr lang="" altLang="en-US" baseline="-25000"/>
+              <a:t>hitung</a:t>
             </a:r>
             <a:r>
               <a:rPr lang="en-US" altLang="en-US"/>
@@ -4601,7 +4637,7 @@
         <p:spPr>
           <a:xfrm>
             <a:off x="5497195" y="3724910"/>
-            <a:ext cx="1325880" cy="922020"/>
+            <a:ext cx="2548890" cy="922020"/>
           </a:xfrm>
           <a:prstGeom prst="rect">
             <a:avLst/>
@@ -4615,35 +4651,87 @@
           <a:p>
             <a:pPr algn="l"/>
             <a:r>
-              <a:rPr lang="en-US" altLang="en-US"/>
+              <a:rPr lang="en-US" altLang="en-US">
+                <a:solidFill>
+                  <a:srgbClr val="FF0000"/>
+                </a:solidFill>
+              </a:rPr>
               <a:t>X</a:t>
             </a:r>
             <a:r>
-              <a:rPr lang="en-US" altLang="en-US" baseline="-25000"/>
+              <a:rPr lang="en-US" altLang="en-US" baseline="-25000">
+                <a:solidFill>
+                  <a:srgbClr val="FF0000"/>
+                </a:solidFill>
+              </a:rPr>
               <a:t>1</a:t>
             </a:r>
-            <a:endParaRPr lang="en-US" altLang="en-US" baseline="-25000"/>
+            <a:endParaRPr lang="en-US" altLang="en-US" baseline="-25000">
+              <a:solidFill>
+                <a:srgbClr val="FF0000"/>
+              </a:solidFill>
+            </a:endParaRPr>
           </a:p>
           <a:p>
             <a:pPr algn="l"/>
             <a:r>
-              <a:rPr lang="" altLang="en-US" sz="3600"/>
+              <a:rPr lang="en-US" altLang="en-US" sz="3600">
+                <a:solidFill>
+                  <a:srgbClr val="FF0000"/>
+                </a:solidFill>
+              </a:rPr>
               <a:t>0.027</a:t>
             </a:r>
-            <a:endParaRPr lang="" altLang="en-US" sz="3600"/>
-          </a:p>
-        </p:txBody>
-      </p:sp>
-      <p:sp>
-        <p:nvSpPr>
-          <p:cNvPr id="17" name="Text Box 16"/>
+            <a:r>
+              <a:rPr lang="en-US" altLang="en-US" sz="1600">
+                <a:solidFill>
+                  <a:srgbClr val="FF0000"/>
+                </a:solidFill>
+              </a:rPr>
+              <a:t> </a:t>
+            </a:r>
+            <a:r>
+              <a:rPr lang="" altLang="en-US" sz="1600">
+                <a:solidFill>
+                  <a:srgbClr val="FF0000"/>
+                </a:solidFill>
+              </a:rPr>
+              <a:t>(t</a:t>
+            </a:r>
+            <a:r>
+              <a:rPr lang="" altLang="en-US" sz="1600" baseline="-25000">
+                <a:solidFill>
+                  <a:srgbClr val="FF0000"/>
+                </a:solidFill>
+              </a:rPr>
+              <a:t>hitung </a:t>
+            </a:r>
+            <a:r>
+              <a:rPr lang="" altLang="en-US" sz="1600">
+                <a:solidFill>
+                  <a:srgbClr val="FF0000"/>
+                </a:solidFill>
+              </a:rPr>
+              <a:t>-2.258)</a:t>
+            </a:r>
+            <a:endParaRPr lang="" altLang="en-US" sz="1600">
+              <a:solidFill>
+                <a:srgbClr val="FF0000"/>
+              </a:solidFill>
+            </a:endParaRPr>
+          </a:p>
+        </p:txBody>
+      </p:sp>
+      <p:sp>
+        <p:nvSpPr>
+          <p:cNvPr id="21" name="Text Box 20"/>
           <p:cNvSpPr txBox="1"/>
           <p:nvPr/>
         </p:nvSpPr>
         <p:spPr>
           <a:xfrm>
-            <a:off x="7049135" y="3724910"/>
-            <a:ext cx="1325880" cy="922020"/>
+            <a:off x="5497195" y="4735195"/>
+            <a:ext cx="2623185" cy="368300"/>
           </a:xfrm>
           <a:prstGeom prst="rect">
             <a:avLst/>
@@ -4655,37 +4743,28 @@
             <a:spAutoFit/>
           </a:bodyPr>
           <a:p>
-            <a:pPr algn="l"/>
+            <a:r>
+              <a:rPr lang="en-US" altLang="en-US" b="1"/>
+              <a:t>UJI AUTOKORELASI </a:t>
+            </a:r>
             <a:r>
               <a:rPr lang="en-US" altLang="en-US"/>
-              <a:t>X</a:t>
-            </a:r>
-            <a:r>
-              <a:rPr lang="en-US" altLang="en-US" baseline="-25000"/>
-              <a:t>2</a:t>
-            </a:r>
-            <a:endParaRPr lang="en-US" altLang="en-US" baseline="-25000"/>
-          </a:p>
-          <a:p>
-            <a:pPr algn="l"/>
-            <a:r>
-              <a:rPr lang="" altLang="en-US" sz="3600"/>
-              <a:t>0.950</a:t>
-            </a:r>
-            <a:endParaRPr lang="" altLang="en-US" sz="3600"/>
-          </a:p>
-        </p:txBody>
-      </p:sp>
-      <p:sp>
-        <p:nvSpPr>
-          <p:cNvPr id="21" name="Text Box 20"/>
+              <a:t>~</a:t>
+            </a:r>
+            <a:endParaRPr lang="en-US" altLang="en-US"/>
+          </a:p>
+        </p:txBody>
+      </p:sp>
+      <p:sp>
+        <p:nvSpPr>
+          <p:cNvPr id="22" name="Text Box 21"/>
           <p:cNvSpPr txBox="1"/>
           <p:nvPr/>
         </p:nvSpPr>
         <p:spPr>
           <a:xfrm>
-            <a:off x="5497195" y="4735195"/>
-            <a:ext cx="2623185" cy="368300"/>
+            <a:off x="5497195" y="5103495"/>
+            <a:ext cx="2303780" cy="922020"/>
           </a:xfrm>
           <a:prstGeom prst="rect">
             <a:avLst/>
@@ -4697,32 +4776,49 @@
             <a:spAutoFit/>
           </a:bodyPr>
           <a:p>
-            <a:r>
-              <a:rPr lang="en-US" altLang="en-US" b="1"/>
-              <a:t>UJI </a:t>
-            </a:r>
-            <a:r>
-              <a:rPr lang="" altLang="en-US" b="1"/>
-              <a:t>AUTOKORELASI </a:t>
-            </a:r>
-            <a:r>
-              <a:rPr lang="" altLang="en-US"/>
-              <a:t>~</a:t>
-            </a:r>
-            <a:endParaRPr lang="" altLang="en-US"/>
-          </a:p>
-        </p:txBody>
-      </p:sp>
-      <p:sp>
-        <p:nvSpPr>
-          <p:cNvPr id="22" name="Text Box 21"/>
+            <a:pPr algn="l"/>
+            <a:r>
+              <a:rPr lang="en-US" altLang="en-US" sz="3600">
+                <a:solidFill>
+                  <a:srgbClr val="FF0000"/>
+                </a:solidFill>
+              </a:rPr>
+              <a:t>dw &gt; 4 - dl</a:t>
+            </a:r>
+            <a:endParaRPr lang="en-US" altLang="en-US" sz="3600">
+              <a:solidFill>
+                <a:srgbClr val="FF0000"/>
+              </a:solidFill>
+            </a:endParaRPr>
+          </a:p>
+          <a:p>
+            <a:pPr algn="l"/>
+            <a:r>
+              <a:rPr lang="en-US" altLang="en-US">
+                <a:solidFill>
+                  <a:srgbClr val="FF0000"/>
+                </a:solidFill>
+              </a:rPr>
+              <a:t>terjadi autokorelasi</a:t>
+            </a:r>
+            <a:endParaRPr lang="en-US" altLang="en-US">
+              <a:solidFill>
+                <a:srgbClr val="FF0000"/>
+              </a:solidFill>
+            </a:endParaRPr>
+          </a:p>
+        </p:txBody>
+      </p:sp>
+      <p:sp>
+        <p:nvSpPr>
+          <p:cNvPr id="23" name="Text Box 22"/>
           <p:cNvSpPr txBox="1"/>
           <p:nvPr/>
         </p:nvSpPr>
         <p:spPr>
           <a:xfrm>
-            <a:off x="5497195" y="5103495"/>
-            <a:ext cx="2303780" cy="922020"/>
+            <a:off x="7800975" y="5103495"/>
+            <a:ext cx="1649730" cy="922020"/>
           </a:xfrm>
           <a:prstGeom prst="rect">
             <a:avLst/>
@@ -4734,33 +4830,38 @@
             <a:spAutoFit/>
           </a:bodyPr>
           <a:p>
-            <a:pPr algn="l"/>
-            <a:r>
-              <a:rPr lang="" altLang="en-US" sz="3600"/>
-              <a:t>dw &gt; 4 - dl</a:t>
-            </a:r>
-            <a:endParaRPr lang="" altLang="en-US" sz="3600"/>
-          </a:p>
-          <a:p>
-            <a:pPr algn="l"/>
-            <a:r>
-              <a:rPr lang="" altLang="en-US"/>
-              <a:t>terjadi autokorelasi</a:t>
-            </a:r>
-            <a:endParaRPr lang="" altLang="en-US"/>
-          </a:p>
-        </p:txBody>
-      </p:sp>
-      <p:sp>
-        <p:nvSpPr>
-          <p:cNvPr id="23" name="Text Box 22"/>
+            <a:r>
+              <a:rPr lang="en-US" altLang="en-US"/>
+              <a:t>dw    = 2.482</a:t>
+            </a:r>
+            <a:endParaRPr lang="en-US" altLang="en-US"/>
+          </a:p>
+          <a:p>
+            <a:r>
+              <a:rPr lang="en-US" altLang="en-US"/>
+              <a:t>dl      = 1.6046</a:t>
+            </a:r>
+            <a:endParaRPr lang="en-US" altLang="en-US"/>
+          </a:p>
+          <a:p>
+            <a:r>
+              <a:rPr lang="en-US" altLang="en-US"/>
+              <a:t>4 - dl = 2.3954</a:t>
+            </a:r>
+            <a:endParaRPr lang="en-US" altLang="en-US"/>
+          </a:p>
+        </p:txBody>
+      </p:sp>
+      <p:sp>
+        <p:nvSpPr>
+          <p:cNvPr id="18" name="Text Box 17"/>
           <p:cNvSpPr txBox="1"/>
           <p:nvPr/>
         </p:nvSpPr>
         <p:spPr>
           <a:xfrm>
-            <a:off x="7800975" y="5103495"/>
-            <a:ext cx="1649730" cy="922020"/>
+            <a:off x="8375015" y="3724910"/>
+            <a:ext cx="2548890" cy="922020"/>
           </a:xfrm>
           <a:prstGeom prst="rect">
             <a:avLst/>
@@ -4772,25 +4873,46 @@
             <a:spAutoFit/>
           </a:bodyPr>
           <a:p>
-            <a:r>
-              <a:rPr lang="" altLang="en-US"/>
-              <a:t>dw    = 2.482</a:t>
-            </a:r>
-            <a:endParaRPr lang="" altLang="en-US"/>
-          </a:p>
-          <a:p>
-            <a:r>
-              <a:rPr lang="" altLang="en-US"/>
-              <a:t>dl      = 1.6046</a:t>
-            </a:r>
-            <a:endParaRPr lang="" altLang="en-US"/>
-          </a:p>
-          <a:p>
-            <a:r>
-              <a:rPr lang="" altLang="en-US"/>
-              <a:t>4 - dl = 2.3954</a:t>
-            </a:r>
-            <a:endParaRPr lang="" altLang="en-US"/>
+            <a:pPr algn="l"/>
+            <a:r>
+              <a:rPr lang="en-US" altLang="en-US"/>
+              <a:t>X</a:t>
+            </a:r>
+            <a:r>
+              <a:rPr lang="" altLang="en-US" baseline="-25000"/>
+              <a:t>2</a:t>
+            </a:r>
+            <a:endParaRPr lang="en-US" altLang="en-US" baseline="-25000"/>
+          </a:p>
+          <a:p>
+            <a:pPr algn="l"/>
+            <a:r>
+              <a:rPr lang="en-US" altLang="en-US" sz="3600">
+                <a:sym typeface="+mn-ea"/>
+              </a:rPr>
+              <a:t>0.950</a:t>
+            </a:r>
+            <a:r>
+              <a:rPr lang="en-US" altLang="en-US" sz="1600"/>
+              <a:t> (t</a:t>
+            </a:r>
+            <a:r>
+              <a:rPr lang="en-US" altLang="en-US" sz="1600" baseline="-25000"/>
+              <a:t>hitung </a:t>
+            </a:r>
+            <a:r>
+              <a:rPr lang="en-US" altLang="en-US" sz="1600"/>
+              <a:t>-</a:t>
+            </a:r>
+            <a:r>
+              <a:rPr lang="" altLang="en-US" sz="1600"/>
+              <a:t>0.063</a:t>
+            </a:r>
+            <a:r>
+              <a:rPr lang="en-US" altLang="en-US" sz="1600"/>
+              <a:t>)</a:t>
+            </a:r>
+            <a:endParaRPr lang="en-US" altLang="en-US" sz="1600"/>
           </a:p>
         </p:txBody>
       </p:sp>
@@ -4835,15 +4957,7 @@
           <a:p>
             <a:r>
               <a:rPr lang="en-US" altLang="en-US" b="1"/>
-              <a:t>UJI </a:t>
-            </a:r>
-            <a:r>
-              <a:rPr lang="" altLang="en-US" b="1"/>
-              <a:t>HIPOTESIS KENDALL'S TAU</a:t>
-            </a:r>
-            <a:r>
-              <a:rPr lang="en-US" altLang="en-US" b="1"/>
-              <a:t> </a:t>
+              <a:t>UJI HIPOTESIS KENDALL'S TAU </a:t>
             </a:r>
             <a:r>
               <a:rPr lang="en-US" altLang="en-US"/>
@@ -4899,21 +5013,17 @@
             <a:pPr algn="l"/>
             <a:r>
               <a:rPr lang="en-US" altLang="en-US" sz="5400"/>
-              <a:t>0.</a:t>
-            </a:r>
-            <a:r>
-              <a:rPr lang="" altLang="en-US" sz="5400"/>
-              <a:t>434</a:t>
-            </a:r>
-            <a:endParaRPr lang="" altLang="en-US" sz="5400"/>
+              <a:t>0.434</a:t>
+            </a:r>
+            <a:endParaRPr lang="en-US" altLang="en-US" sz="5400"/>
           </a:p>
           <a:p>
             <a:pPr algn="l"/>
             <a:r>
-              <a:rPr lang="" altLang="en-US" sz="2400" b="1"/>
+              <a:rPr lang="en-US" altLang="en-US" sz="2400" b="1"/>
               <a:t>Cukup</a:t>
             </a:r>
-            <a:endParaRPr lang="" altLang="en-US" sz="2400" b="1"/>
+            <a:endParaRPr lang="en-US" altLang="en-US" sz="2400" b="1"/>
           </a:p>
         </p:txBody>
       </p:sp>
@@ -4946,16 +5056,10 @@
               <a:t>X</a:t>
             </a:r>
             <a:r>
-              <a:rPr lang="" altLang="en-US" baseline="-25000">
-                <a:sym typeface="+mn-ea"/>
-              </a:rPr>
-              <a:t>2</a:t>
-            </a:r>
-            <a:r>
               <a:rPr lang="en-US" altLang="en-US" baseline="-25000">
                 <a:sym typeface="+mn-ea"/>
               </a:rPr>
-              <a:t> </a:t>
+              <a:t>2 </a:t>
             </a:r>
             <a:r>
               <a:rPr lang="en-US" altLang="en-US">
@@ -4969,21 +5073,17 @@
             <a:pPr algn="l"/>
             <a:r>
               <a:rPr lang="en-US" altLang="en-US" sz="5400"/>
-              <a:t>0.</a:t>
-            </a:r>
-            <a:r>
-              <a:rPr lang="" altLang="en-US" sz="5400"/>
-              <a:t>218</a:t>
+              <a:t>0.218</a:t>
             </a:r>
             <a:endParaRPr lang="en-US" altLang="en-US" sz="5400"/>
           </a:p>
           <a:p>
             <a:pPr algn="l"/>
             <a:r>
-              <a:rPr lang="" altLang="en-US" sz="2400" b="1"/>
+              <a:rPr lang="en-US" altLang="en-US" sz="2400" b="1"/>
               <a:t>Sangat Lemah</a:t>
             </a:r>
-            <a:endParaRPr lang="" altLang="en-US" sz="2400" b="1"/>
+            <a:endParaRPr lang="en-US" altLang="en-US" sz="2400" b="1"/>
           </a:p>
         </p:txBody>
       </p:sp>
@@ -5016,10 +5116,10 @@
                         <a:buNone/>
                       </a:pPr>
                       <a:r>
-                        <a:rPr lang="" altLang="en-US"/>
+                        <a:rPr lang="en-US" altLang="en-US"/>
                         <a:t>0.00-0.25</a:t>
                       </a:r>
-                      <a:endParaRPr lang="" altLang="en-US"/>
+                      <a:endParaRPr lang="en-US" altLang="en-US"/>
                     </a:p>
                   </a:txBody>
                   <a:tcPr/>
@@ -5032,10 +5132,10 @@
                         <a:buNone/>
                       </a:pPr>
                       <a:r>
-                        <a:rPr lang="" altLang="en-US"/>
+                        <a:rPr lang="en-US" altLang="en-US"/>
                         <a:t>Sangat Lemah</a:t>
                       </a:r>
-                      <a:endParaRPr lang="" altLang="en-US"/>
+                      <a:endParaRPr lang="en-US" altLang="en-US"/>
                     </a:p>
                   </a:txBody>
                   <a:tcPr/>
@@ -5050,10 +5150,10 @@
                         <a:buNone/>
                       </a:pPr>
                       <a:r>
-                        <a:rPr lang="" altLang="en-US"/>
+                        <a:rPr lang="en-US" altLang="en-US"/>
                         <a:t>0.26-0.50</a:t>
                       </a:r>
-                      <a:endParaRPr lang="" altLang="en-US"/>
+                      <a:endParaRPr lang="en-US" altLang="en-US"/>
                     </a:p>
                   </a:txBody>
                   <a:tcPr/>
@@ -5066,10 +5166,10 @@
                         <a:buNone/>
                       </a:pPr>
                       <a:r>
-                        <a:rPr lang="" altLang="en-US"/>
+                        <a:rPr lang="en-US" altLang="en-US"/>
                         <a:t>Cukup</a:t>
                       </a:r>
-                      <a:endParaRPr lang="" altLang="en-US"/>
+                      <a:endParaRPr lang="en-US" altLang="en-US"/>
                     </a:p>
                   </a:txBody>
                   <a:tcPr/>
@@ -5084,10 +5184,10 @@
                         <a:buNone/>
                       </a:pPr>
                       <a:r>
-                        <a:rPr lang="" altLang="en-US"/>
+                        <a:rPr lang="en-US" altLang="en-US"/>
                         <a:t>0.51-0.75</a:t>
                       </a:r>
-                      <a:endParaRPr lang="" altLang="en-US"/>
+                      <a:endParaRPr lang="en-US" altLang="en-US"/>
                     </a:p>
                   </a:txBody>
                   <a:tcPr/>
@@ -5100,10 +5200,10 @@
                         <a:buNone/>
                       </a:pPr>
                       <a:r>
-                        <a:rPr lang="" altLang="en-US"/>
+                        <a:rPr lang="en-US" altLang="en-US"/>
                         <a:t>Kuat</a:t>
                       </a:r>
-                      <a:endParaRPr lang="" altLang="en-US"/>
+                      <a:endParaRPr lang="en-US" altLang="en-US"/>
                     </a:p>
                   </a:txBody>
                   <a:tcPr/>
@@ -5118,10 +5218,10 @@
                         <a:buNone/>
                       </a:pPr>
                       <a:r>
-                        <a:rPr lang="" altLang="en-US"/>
+                        <a:rPr lang="en-US" altLang="en-US"/>
                         <a:t>0.76-0.99</a:t>
                       </a:r>
-                      <a:endParaRPr lang="" altLang="en-US"/>
+                      <a:endParaRPr lang="en-US" altLang="en-US"/>
                     </a:p>
                   </a:txBody>
                   <a:tcPr/>
@@ -5134,10 +5234,10 @@
                         <a:buNone/>
                       </a:pPr>
                       <a:r>
-                        <a:rPr lang="" altLang="en-US"/>
+                        <a:rPr lang="en-US" altLang="en-US"/>
                         <a:t>Sangat Kuat</a:t>
                       </a:r>
-                      <a:endParaRPr lang="" altLang="en-US"/>
+                      <a:endParaRPr lang="en-US" altLang="en-US"/>
                     </a:p>
                   </a:txBody>
                   <a:tcPr/>
@@ -5152,10 +5252,10 @@
                         <a:buNone/>
                       </a:pPr>
                       <a:r>
-                        <a:rPr lang="" altLang="en-US"/>
+                        <a:rPr lang="en-US" altLang="en-US"/>
                         <a:t>1.00</a:t>
                       </a:r>
-                      <a:endParaRPr lang="" altLang="en-US"/>
+                      <a:endParaRPr lang="en-US" altLang="en-US"/>
                     </a:p>
                   </a:txBody>
                   <a:tcPr/>
@@ -5168,10 +5268,10 @@
                         <a:buNone/>
                       </a:pPr>
                       <a:r>
-                        <a:rPr lang="" altLang="en-US"/>
+                        <a:rPr lang="en-US" altLang="en-US"/>
                         <a:t>Sempurna</a:t>
                       </a:r>
-                      <a:endParaRPr lang="" altLang="en-US"/>
+                      <a:endParaRPr lang="en-US" altLang="en-US"/>
                     </a:p>
                   </a:txBody>
                   <a:tcPr/>
@@ -5203,10 +5303,10 @@
           </a:bodyPr>
           <a:p>
             <a:r>
-              <a:rPr lang="" altLang="en-US" b="1"/>
+              <a:rPr lang="en-US" altLang="en-US" b="1"/>
               <a:t>UNTUK PENELITI BERIKUTNYA</a:t>
             </a:r>
-            <a:endParaRPr lang="" altLang="en-US"/>
+            <a:endParaRPr lang="en-US" altLang="en-US"/>
           </a:p>
         </p:txBody>
       </p:sp>
@@ -5236,10 +5336,10 @@
               <a:buChar char="•"/>
             </a:pPr>
             <a:r>
-              <a:rPr lang="" altLang="en-US"/>
+              <a:rPr lang="en-US" altLang="en-US"/>
               <a:t>Perbanyak subyek</a:t>
             </a:r>
-            <a:endParaRPr lang="" altLang="en-US"/>
+            <a:endParaRPr lang="en-US" altLang="en-US"/>
           </a:p>
           <a:p>
             <a:pPr marL="285750" indent="-285750">
@@ -5247,10 +5347,10 @@
               <a:buChar char="•"/>
             </a:pPr>
             <a:r>
-              <a:rPr lang="" altLang="en-US"/>
+              <a:rPr lang="en-US" altLang="en-US"/>
               <a:t>Ketepatan dalam operasionalisasi konsep</a:t>
             </a:r>
-            <a:endParaRPr lang="" altLang="en-US"/>
+            <a:endParaRPr lang="en-US" altLang="en-US"/>
           </a:p>
           <a:p>
             <a:pPr marL="285750" indent="-285750">
@@ -5258,10 +5358,10 @@
               <a:buChar char="•"/>
             </a:pPr>
             <a:r>
-              <a:rPr lang="" altLang="en-US"/>
+              <a:rPr lang="en-US" altLang="en-US"/>
               <a:t>Penyempurnaan tata bahasa aitem</a:t>
             </a:r>
-            <a:endParaRPr lang="" altLang="en-US"/>
+            <a:endParaRPr lang="en-US" altLang="en-US"/>
           </a:p>
           <a:p>
             <a:pPr marL="285750" indent="-285750">
@@ -5269,10 +5369,10 @@
               <a:buChar char="•"/>
             </a:pPr>
             <a:r>
-              <a:rPr lang="" altLang="en-US"/>
+              <a:rPr lang="en-US" altLang="en-US"/>
               <a:t>Administrasi skala yang rapi</a:t>
             </a:r>
-            <a:endParaRPr lang="" altLang="en-US"/>
+            <a:endParaRPr lang="en-US" altLang="en-US"/>
           </a:p>
           <a:p>
             <a:pPr marL="285750" indent="-285750">
@@ -5280,10 +5380,10 @@
               <a:buChar char="•"/>
             </a:pPr>
             <a:r>
-              <a:rPr lang="" altLang="en-US"/>
+              <a:rPr lang="en-US" altLang="en-US"/>
               <a:t>Pemberian skor yang tepat</a:t>
             </a:r>
-            <a:endParaRPr lang="" altLang="en-US"/>
+            <a:endParaRPr lang="en-US" altLang="en-US"/>
           </a:p>
           <a:p>
             <a:pPr marL="285750" indent="-285750">
@@ -5291,10 +5391,10 @@
               <a:buChar char="•"/>
             </a:pPr>
             <a:r>
-              <a:rPr lang="" altLang="en-US"/>
+              <a:rPr lang="en-US" altLang="en-US"/>
               <a:t>Interpretasi yang tepat</a:t>
             </a:r>
-            <a:endParaRPr lang="" altLang="en-US"/>
+            <a:endParaRPr lang="en-US" altLang="en-US"/>
           </a:p>
         </p:txBody>
       </p:sp>
